--- a/images/VehicleFrames.pptx
+++ b/images/VehicleFrames.pptx
@@ -6,6 +6,10 @@
   </p:sldMasterIdLst>
   <p:sldIdLst>
     <p:sldId id="256" r:id="rId2"/>
+    <p:sldId id="257" r:id="rId3"/>
+    <p:sldId id="259" r:id="rId4"/>
+    <p:sldId id="258" r:id="rId5"/>
+    <p:sldId id="260" r:id="rId6"/>
   </p:sldIdLst>
   <p:sldSz cx="12192000" cy="6858000"/>
   <p:notesSz cx="6858000" cy="9144000"/>
@@ -104,6 +108,11 @@
       </a:defRPr>
     </a:lvl9pPr>
   </p:defaultTextStyle>
+  <p:extLst>
+    <p:ext uri="{EFAFB233-063F-42B5-8137-9DF3F51BA10A}">
+      <p15:sldGuideLst xmlns:p15="http://schemas.microsoft.com/office/powerpoint/2012/main"/>
+    </p:ext>
+  </p:extLst>
 </p:presentation>
 </file>
 
@@ -254,7 +263,7 @@
           <a:p>
             <a:fld id="{56E108D0-6AE7-49B2-AFDE-F7842EC0DADF}" type="datetimeFigureOut">
               <a:rPr lang="en-US" smtClean="0"/>
-              <a:t>10/20/2023</a:t>
+              <a:t>2/27/2024</a:t>
             </a:fld>
             <a:endParaRPr lang="en-US"/>
           </a:p>
@@ -452,7 +461,7 @@
           <a:p>
             <a:fld id="{56E108D0-6AE7-49B2-AFDE-F7842EC0DADF}" type="datetimeFigureOut">
               <a:rPr lang="en-US" smtClean="0"/>
-              <a:t>10/20/2023</a:t>
+              <a:t>2/27/2024</a:t>
             </a:fld>
             <a:endParaRPr lang="en-US"/>
           </a:p>
@@ -660,7 +669,7 @@
           <a:p>
             <a:fld id="{56E108D0-6AE7-49B2-AFDE-F7842EC0DADF}" type="datetimeFigureOut">
               <a:rPr lang="en-US" smtClean="0"/>
-              <a:t>10/20/2023</a:t>
+              <a:t>2/27/2024</a:t>
             </a:fld>
             <a:endParaRPr lang="en-US"/>
           </a:p>
@@ -858,7 +867,7 @@
           <a:p>
             <a:fld id="{56E108D0-6AE7-49B2-AFDE-F7842EC0DADF}" type="datetimeFigureOut">
               <a:rPr lang="en-US" smtClean="0"/>
-              <a:t>10/20/2023</a:t>
+              <a:t>2/27/2024</a:t>
             </a:fld>
             <a:endParaRPr lang="en-US"/>
           </a:p>
@@ -1133,7 +1142,7 @@
           <a:p>
             <a:fld id="{56E108D0-6AE7-49B2-AFDE-F7842EC0DADF}" type="datetimeFigureOut">
               <a:rPr lang="en-US" smtClean="0"/>
-              <a:t>10/20/2023</a:t>
+              <a:t>2/27/2024</a:t>
             </a:fld>
             <a:endParaRPr lang="en-US"/>
           </a:p>
@@ -1398,7 +1407,7 @@
           <a:p>
             <a:fld id="{56E108D0-6AE7-49B2-AFDE-F7842EC0DADF}" type="datetimeFigureOut">
               <a:rPr lang="en-US" smtClean="0"/>
-              <a:t>10/20/2023</a:t>
+              <a:t>2/27/2024</a:t>
             </a:fld>
             <a:endParaRPr lang="en-US"/>
           </a:p>
@@ -1810,7 +1819,7 @@
           <a:p>
             <a:fld id="{56E108D0-6AE7-49B2-AFDE-F7842EC0DADF}" type="datetimeFigureOut">
               <a:rPr lang="en-US" smtClean="0"/>
-              <a:t>10/20/2023</a:t>
+              <a:t>2/27/2024</a:t>
             </a:fld>
             <a:endParaRPr lang="en-US"/>
           </a:p>
@@ -1951,7 +1960,7 @@
           <a:p>
             <a:fld id="{56E108D0-6AE7-49B2-AFDE-F7842EC0DADF}" type="datetimeFigureOut">
               <a:rPr lang="en-US" smtClean="0"/>
-              <a:t>10/20/2023</a:t>
+              <a:t>2/27/2024</a:t>
             </a:fld>
             <a:endParaRPr lang="en-US"/>
           </a:p>
@@ -2064,7 +2073,7 @@
           <a:p>
             <a:fld id="{56E108D0-6AE7-49B2-AFDE-F7842EC0DADF}" type="datetimeFigureOut">
               <a:rPr lang="en-US" smtClean="0"/>
-              <a:t>10/20/2023</a:t>
+              <a:t>2/27/2024</a:t>
             </a:fld>
             <a:endParaRPr lang="en-US"/>
           </a:p>
@@ -2375,7 +2384,7 @@
           <a:p>
             <a:fld id="{56E108D0-6AE7-49B2-AFDE-F7842EC0DADF}" type="datetimeFigureOut">
               <a:rPr lang="en-US" smtClean="0"/>
-              <a:t>10/20/2023</a:t>
+              <a:t>2/27/2024</a:t>
             </a:fld>
             <a:endParaRPr lang="en-US"/>
           </a:p>
@@ -2663,7 +2672,7 @@
           <a:p>
             <a:fld id="{56E108D0-6AE7-49B2-AFDE-F7842EC0DADF}" type="datetimeFigureOut">
               <a:rPr lang="en-US" smtClean="0"/>
-              <a:t>10/20/2023</a:t>
+              <a:t>2/27/2024</a:t>
             </a:fld>
             <a:endParaRPr lang="en-US"/>
           </a:p>
@@ -2904,7 +2913,7 @@
           <a:p>
             <a:fld id="{56E108D0-6AE7-49B2-AFDE-F7842EC0DADF}" type="datetimeFigureOut">
               <a:rPr lang="en-US" smtClean="0"/>
-              <a:t>10/20/2023</a:t>
+              <a:t>2/27/2024</a:t>
             </a:fld>
             <a:endParaRPr lang="en-US"/>
           </a:p>
@@ -3494,8 +3503,8 @@
             </a:p>
           </p:txBody>
         </p:sp>
-        <mc:AlternateContent xmlns:mc="http://schemas.openxmlformats.org/markup-compatibility/2006">
-          <mc:Choice xmlns:a14="http://schemas.microsoft.com/office/drawing/2010/main" Requires="a14">
+        <mc:AlternateContent xmlns:mc="http://schemas.openxmlformats.org/markup-compatibility/2006" xmlns:a14="http://schemas.microsoft.com/office/drawing/2010/main">
+          <mc:Choice Requires="a14">
             <p:sp>
               <p:nvSpPr>
                 <p:cNvPr id="11" name="TextBox 10">
@@ -3524,6 +3533,7 @@
                 </a:bodyPr>
                 <a:lstStyle/>
                 <a:p>
+                  <a:pPr/>
                   <a14:m>
                     <m:oMathPara xmlns:m="http://schemas.openxmlformats.org/officeDocument/2006/math">
                       <m:oMathParaPr>
@@ -3569,7 +3579,7 @@
               </p:txBody>
             </p:sp>
           </mc:Choice>
-          <mc:Fallback>
+          <mc:Fallback xmlns="">
             <p:sp>
               <p:nvSpPr>
                 <p:cNvPr id="11" name="TextBox 10">
@@ -3614,8 +3624,8 @@
             </p:sp>
           </mc:Fallback>
         </mc:AlternateContent>
-        <mc:AlternateContent xmlns:mc="http://schemas.openxmlformats.org/markup-compatibility/2006">
-          <mc:Choice xmlns:a14="http://schemas.microsoft.com/office/drawing/2010/main" Requires="a14">
+        <mc:AlternateContent xmlns:mc="http://schemas.openxmlformats.org/markup-compatibility/2006" xmlns:a14="http://schemas.microsoft.com/office/drawing/2010/main">
+          <mc:Choice Requires="a14">
             <p:sp>
               <p:nvSpPr>
                 <p:cNvPr id="12" name="TextBox 11">
@@ -3644,6 +3654,7 @@
                 </a:bodyPr>
                 <a:lstStyle/>
                 <a:p>
+                  <a:pPr/>
                   <a14:m>
                     <m:oMathPara xmlns:m="http://schemas.openxmlformats.org/officeDocument/2006/math">
                       <m:oMathParaPr>
@@ -3696,7 +3707,7 @@
               </p:txBody>
             </p:sp>
           </mc:Choice>
-          <mc:Fallback>
+          <mc:Fallback xmlns="">
             <p:sp>
               <p:nvSpPr>
                 <p:cNvPr id="12" name="TextBox 11">
@@ -4088,6 +4099,1003 @@
     <p:extLst>
       <p:ext uri="{BB962C8B-B14F-4D97-AF65-F5344CB8AC3E}">
         <p14:creationId xmlns:p14="http://schemas.microsoft.com/office/powerpoint/2010/main" val="3275420655"/>
+      </p:ext>
+    </p:extLst>
+  </p:cSld>
+  <p:clrMapOvr>
+    <a:masterClrMapping/>
+  </p:clrMapOvr>
+</p:sld>
+</file>
+
+<file path=ppt/slides/slide2.xml><?xml version="1.0" encoding="utf-8"?>
+<p:sld xmlns:a="http://schemas.openxmlformats.org/drawingml/2006/main" xmlns:r="http://schemas.openxmlformats.org/officeDocument/2006/relationships" xmlns:p="http://schemas.openxmlformats.org/presentationml/2006/main">
+  <p:cSld>
+    <p:spTree>
+      <p:nvGrpSpPr>
+        <p:cNvPr id="1" name=""/>
+        <p:cNvGrpSpPr/>
+        <p:nvPr/>
+      </p:nvGrpSpPr>
+      <p:grpSpPr>
+        <a:xfrm>
+          <a:off x="0" y="0"/>
+          <a:ext cx="0" cy="0"/>
+          <a:chOff x="0" y="0"/>
+          <a:chExt cx="0" cy="0"/>
+        </a:xfrm>
+      </p:grpSpPr>
+      <p:pic>
+        <p:nvPicPr>
+          <p:cNvPr id="5" name="Picture 4" descr="A pink box with a purple box and yellow lines&#10;&#10;Description automatically generated with medium confidence">
+            <a:extLst>
+              <a:ext uri="{FF2B5EF4-FFF2-40B4-BE49-F238E27FC236}">
+                <a16:creationId xmlns:a16="http://schemas.microsoft.com/office/drawing/2014/main" id="{898273FD-2ABF-6D32-13C0-A43DEDB9B718}"/>
+              </a:ext>
+            </a:extLst>
+          </p:cNvPr>
+          <p:cNvPicPr>
+            <a:picLocks noChangeAspect="1"/>
+          </p:cNvPicPr>
+          <p:nvPr/>
+        </p:nvPicPr>
+        <p:blipFill rotWithShape="1">
+          <a:blip r:embed="rId2">
+            <a:extLst>
+              <a:ext uri="{28A0092B-C50C-407E-A947-70E740481C1C}">
+                <a14:useLocalDpi xmlns:a14="http://schemas.microsoft.com/office/drawing/2010/main" val="0"/>
+              </a:ext>
+            </a:extLst>
+          </a:blip>
+          <a:srcRect t="11866" b="11866"/>
+          <a:stretch/>
+        </p:blipFill>
+        <p:spPr>
+          <a:xfrm>
+            <a:off x="948465" y="1958187"/>
+            <a:ext cx="5235394" cy="3551228"/>
+          </a:xfrm>
+          <a:prstGeom prst="rect">
+            <a:avLst/>
+          </a:prstGeom>
+          <a:ln w="28575">
+            <a:solidFill>
+              <a:schemeClr val="tx1"/>
+            </a:solidFill>
+          </a:ln>
+        </p:spPr>
+      </p:pic>
+      <p:pic>
+        <p:nvPicPr>
+          <p:cNvPr id="7" name="Picture 6" descr="A green oval with a red circle and pink and yellow strings&#10;&#10;Description automatically generated with medium confidence">
+            <a:extLst>
+              <a:ext uri="{FF2B5EF4-FFF2-40B4-BE49-F238E27FC236}">
+                <a16:creationId xmlns:a16="http://schemas.microsoft.com/office/drawing/2014/main" id="{B2DD0A33-27E0-94E4-5443-08E240FF749C}"/>
+              </a:ext>
+            </a:extLst>
+          </p:cNvPr>
+          <p:cNvPicPr>
+            <a:picLocks noChangeAspect="1"/>
+          </p:cNvPicPr>
+          <p:nvPr/>
+        </p:nvPicPr>
+        <p:blipFill rotWithShape="1">
+          <a:blip r:embed="rId3">
+            <a:extLst>
+              <a:ext uri="{28A0092B-C50C-407E-A947-70E740481C1C}">
+                <a14:useLocalDpi xmlns:a14="http://schemas.microsoft.com/office/drawing/2010/main" val="0"/>
+              </a:ext>
+            </a:extLst>
+          </a:blip>
+          <a:srcRect l="12697"/>
+          <a:stretch/>
+        </p:blipFill>
+        <p:spPr>
+          <a:xfrm>
+            <a:off x="6342486" y="1958186"/>
+            <a:ext cx="5149470" cy="3551228"/>
+          </a:xfrm>
+          <a:prstGeom prst="rect">
+            <a:avLst/>
+          </a:prstGeom>
+          <a:ln w="28575">
+            <a:solidFill>
+              <a:schemeClr val="tx1"/>
+            </a:solidFill>
+          </a:ln>
+        </p:spPr>
+      </p:pic>
+      <p:sp>
+        <p:nvSpPr>
+          <p:cNvPr id="8" name="TextBox 7">
+            <a:extLst>
+              <a:ext uri="{FF2B5EF4-FFF2-40B4-BE49-F238E27FC236}">
+                <a16:creationId xmlns:a16="http://schemas.microsoft.com/office/drawing/2014/main" id="{CDB09363-D120-2D30-B050-C985C191F31C}"/>
+              </a:ext>
+            </a:extLst>
+          </p:cNvPr>
+          <p:cNvSpPr txBox="1"/>
+          <p:nvPr/>
+        </p:nvSpPr>
+        <p:spPr>
+          <a:xfrm flipH="1">
+            <a:off x="1407040" y="1268962"/>
+            <a:ext cx="3902077" cy="369332"/>
+          </a:xfrm>
+          <a:prstGeom prst="rect">
+            <a:avLst/>
+          </a:prstGeom>
+          <a:noFill/>
+        </p:spPr>
+        <p:txBody>
+          <a:bodyPr wrap="square" rtlCol="0">
+            <a:spAutoFit/>
+          </a:bodyPr>
+          <a:lstStyle/>
+          <a:p>
+            <a:pPr algn="ctr"/>
+            <a:r>
+              <a:rPr lang="en-US" dirty="0" err="1"/>
+              <a:t>Braitenberg</a:t>
+            </a:r>
+            <a:r>
+              <a:rPr lang="en-US" dirty="0"/>
+              <a:t> Vehicle Sensor Position</a:t>
+            </a:r>
+          </a:p>
+        </p:txBody>
+      </p:sp>
+      <p:sp>
+        <p:nvSpPr>
+          <p:cNvPr id="9" name="TextBox 8">
+            <a:extLst>
+              <a:ext uri="{FF2B5EF4-FFF2-40B4-BE49-F238E27FC236}">
+                <a16:creationId xmlns:a16="http://schemas.microsoft.com/office/drawing/2014/main" id="{D8B88932-C9C8-ED7C-9A66-0FCD8E60C34B}"/>
+              </a:ext>
+            </a:extLst>
+          </p:cNvPr>
+          <p:cNvSpPr txBox="1"/>
+          <p:nvPr/>
+        </p:nvSpPr>
+        <p:spPr>
+          <a:xfrm flipH="1">
+            <a:off x="7135589" y="1268962"/>
+            <a:ext cx="3902077" cy="369332"/>
+          </a:xfrm>
+          <a:prstGeom prst="rect">
+            <a:avLst/>
+          </a:prstGeom>
+          <a:noFill/>
+        </p:spPr>
+        <p:txBody>
+          <a:bodyPr wrap="square" rtlCol="0">
+            <a:spAutoFit/>
+          </a:bodyPr>
+          <a:lstStyle/>
+          <a:p>
+            <a:pPr algn="ctr"/>
+            <a:r>
+              <a:rPr lang="en-US" dirty="0"/>
+              <a:t>Ant Vehicle Sensor Position</a:t>
+            </a:r>
+          </a:p>
+        </p:txBody>
+      </p:sp>
+    </p:spTree>
+    <p:extLst>
+      <p:ext uri="{BB962C8B-B14F-4D97-AF65-F5344CB8AC3E}">
+        <p14:creationId xmlns:p14="http://schemas.microsoft.com/office/powerpoint/2010/main" val="1637528125"/>
+      </p:ext>
+    </p:extLst>
+  </p:cSld>
+  <p:clrMapOvr>
+    <a:masterClrMapping/>
+  </p:clrMapOvr>
+</p:sld>
+</file>
+
+<file path=ppt/slides/slide3.xml><?xml version="1.0" encoding="utf-8"?>
+<p:sld xmlns:a="http://schemas.openxmlformats.org/drawingml/2006/main" xmlns:r="http://schemas.openxmlformats.org/officeDocument/2006/relationships" xmlns:p="http://schemas.openxmlformats.org/presentationml/2006/main">
+  <p:cSld>
+    <p:spTree>
+      <p:nvGrpSpPr>
+        <p:cNvPr id="1" name=""/>
+        <p:cNvGrpSpPr/>
+        <p:nvPr/>
+      </p:nvGrpSpPr>
+      <p:grpSpPr>
+        <a:xfrm>
+          <a:off x="0" y="0"/>
+          <a:ext cx="0" cy="0"/>
+          <a:chOff x="0" y="0"/>
+          <a:chExt cx="0" cy="0"/>
+        </a:xfrm>
+      </p:grpSpPr>
+      <p:sp>
+        <p:nvSpPr>
+          <p:cNvPr id="4" name="Rectangle 1">
+            <a:extLst>
+              <a:ext uri="{FF2B5EF4-FFF2-40B4-BE49-F238E27FC236}">
+                <a16:creationId xmlns:a16="http://schemas.microsoft.com/office/drawing/2014/main" id="{99575A7C-4FF6-FC42-ECA0-A41185AD998B}"/>
+              </a:ext>
+            </a:extLst>
+          </p:cNvPr>
+          <p:cNvSpPr>
+            <a:spLocks noGrp="1" noChangeArrowheads="1"/>
+          </p:cNvSpPr>
+          <p:nvPr>
+            <p:ph idx="1"/>
+          </p:nvPr>
+        </p:nvSpPr>
+        <p:spPr bwMode="auto">
+          <a:xfrm>
+            <a:off x="790575" y="474346"/>
+            <a:ext cx="10610850" cy="5909310"/>
+          </a:xfrm>
+          <a:prstGeom prst="rect">
+            <a:avLst/>
+          </a:prstGeom>
+          <a:noFill/>
+          <a:ln>
+            <a:noFill/>
+          </a:ln>
+          <a:effectLst/>
+          <a:extLst>
+            <a:ext uri="{909E8E84-426E-40DD-AFC4-6F175D3DCCD1}">
+              <a14:hiddenFill xmlns:a14="http://schemas.microsoft.com/office/drawing/2010/main">
+                <a:solidFill>
+                  <a:schemeClr val="accent1"/>
+                </a:solidFill>
+              </a14:hiddenFill>
+            </a:ext>
+            <a:ext uri="{91240B29-F687-4F45-9708-019B960494DF}">
+              <a14:hiddenLine xmlns:a14="http://schemas.microsoft.com/office/drawing/2010/main" w="9525">
+                <a:solidFill>
+                  <a:schemeClr val="tx1"/>
+                </a:solidFill>
+                <a:miter lim="800000"/>
+                <a:headEnd/>
+                <a:tailEnd/>
+              </a14:hiddenLine>
+            </a:ext>
+            <a:ext uri="{AF507438-7753-43E0-B8FC-AC1667EBCBE1}">
+              <a14:hiddenEffects xmlns:a14="http://schemas.microsoft.com/office/drawing/2010/main">
+                <a:effectLst>
+                  <a:outerShdw dist="35921" dir="2700000" algn="ctr" rotWithShape="0">
+                    <a:schemeClr val="bg2"/>
+                  </a:outerShdw>
+                </a:effectLst>
+              </a14:hiddenEffects>
+            </a:ext>
+          </a:extLst>
+        </p:spPr>
+        <p:txBody>
+          <a:bodyPr vert="horz" wrap="square" lIns="91440" tIns="45720" rIns="91440" bIns="45720" numCol="1" anchor="ctr" anchorCtr="0" compatLnSpc="1">
+            <a:prstTxWarp prst="textNoShape">
+              <a:avLst/>
+            </a:prstTxWarp>
+            <a:spAutoFit/>
+          </a:bodyPr>
+          <a:lstStyle/>
+          <a:p>
+            <a:pPr marL="0" marR="0" lvl="0" indent="0" algn="l" defTabSz="914400" rtl="0" eaLnBrk="0" fontAlgn="base" latinLnBrk="0" hangingPunct="0">
+              <a:lnSpc>
+                <a:spcPct val="100000"/>
+              </a:lnSpc>
+              <a:spcBef>
+                <a:spcPct val="0"/>
+              </a:spcBef>
+              <a:spcAft>
+                <a:spcPct val="0"/>
+              </a:spcAft>
+              <a:buClrTx/>
+              <a:buSzTx/>
+              <a:buFontTx/>
+              <a:buNone/>
+              <a:tabLst/>
+            </a:pPr>
+            <a:r>
+              <a:rPr kumimoji="0" lang="en-US" altLang="en-US" sz="1800" b="0" i="0" u="none" strike="noStrike" cap="none" normalizeH="0" baseline="0" dirty="0">
+                <a:ln>
+                  <a:noFill/>
+                </a:ln>
+                <a:solidFill>
+                  <a:schemeClr val="tx1"/>
+                </a:solidFill>
+                <a:effectLst/>
+                <a:latin typeface="Arial" panose="020B0604020202020204" pitchFamily="34" charset="0"/>
+              </a:rPr>
+              <a:t>This means things are going well and need to start connecting to something that changes the agents.</a:t>
+            </a:r>
+          </a:p>
+          <a:p>
+            <a:pPr marL="0" marR="0" lvl="0" indent="0" algn="l" defTabSz="914400" rtl="0" eaLnBrk="0" fontAlgn="base" latinLnBrk="0" hangingPunct="0">
+              <a:lnSpc>
+                <a:spcPct val="100000"/>
+              </a:lnSpc>
+              <a:spcBef>
+                <a:spcPct val="0"/>
+              </a:spcBef>
+              <a:spcAft>
+                <a:spcPct val="0"/>
+              </a:spcAft>
+              <a:buClrTx/>
+              <a:buSzTx/>
+              <a:buFontTx/>
+              <a:buNone/>
+              <a:tabLst/>
+            </a:pPr>
+            <a:endParaRPr kumimoji="0" lang="en-US" altLang="en-US" sz="1800" b="0" i="0" u="none" strike="noStrike" cap="none" normalizeH="0" baseline="0" dirty="0">
+              <a:ln>
+                <a:noFill/>
+              </a:ln>
+              <a:solidFill>
+                <a:schemeClr val="tx1"/>
+              </a:solidFill>
+              <a:effectLst/>
+              <a:latin typeface="Arial" panose="020B0604020202020204" pitchFamily="34" charset="0"/>
+            </a:endParaRPr>
+          </a:p>
+          <a:p>
+            <a:pPr marL="0" marR="0" lvl="0" indent="0" algn="l" defTabSz="914400" rtl="0" eaLnBrk="0" fontAlgn="base" latinLnBrk="0" hangingPunct="0">
+              <a:lnSpc>
+                <a:spcPct val="100000"/>
+              </a:lnSpc>
+              <a:spcBef>
+                <a:spcPct val="0"/>
+              </a:spcBef>
+              <a:spcAft>
+                <a:spcPct val="0"/>
+              </a:spcAft>
+              <a:buClrTx/>
+              <a:buSzTx/>
+              <a:buFontTx/>
+              <a:buNone/>
+              <a:tabLst/>
+            </a:pPr>
+            <a:r>
+              <a:rPr kumimoji="0" lang="en-US" altLang="en-US" sz="1800" b="0" i="0" u="none" strike="noStrike" cap="none" normalizeH="0" baseline="0" dirty="0">
+                <a:ln>
+                  <a:noFill/>
+                </a:ln>
+                <a:solidFill>
+                  <a:schemeClr val="tx1"/>
+                </a:solidFill>
+                <a:effectLst/>
+                <a:latin typeface="Arial" panose="020B0604020202020204" pitchFamily="34" charset="0"/>
+              </a:rPr>
+              <a:t>Because the Genetic Program Woolley wrote for his MS Thesis for </a:t>
+            </a:r>
+            <a:r>
+              <a:rPr kumimoji="0" lang="en-US" altLang="en-US" sz="1800" b="0" i="0" u="none" strike="noStrike" cap="none" normalizeH="0" baseline="0" dirty="0" err="1">
+                <a:ln>
+                  <a:noFill/>
+                </a:ln>
+                <a:solidFill>
+                  <a:schemeClr val="tx1"/>
+                </a:solidFill>
+                <a:effectLst/>
+                <a:latin typeface="Arial" panose="020B0604020202020204" pitchFamily="34" charset="0"/>
+              </a:rPr>
+              <a:t>Robocode</a:t>
+            </a:r>
+            <a:r>
+              <a:rPr kumimoji="0" lang="en-US" altLang="en-US" sz="1800" b="0" i="0" u="none" strike="noStrike" cap="none" normalizeH="0" baseline="0" dirty="0">
+                <a:ln>
+                  <a:noFill/>
+                </a:ln>
+                <a:solidFill>
+                  <a:schemeClr val="tx1"/>
+                </a:solidFill>
+                <a:effectLst/>
+                <a:latin typeface="Arial" panose="020B0604020202020204" pitchFamily="34" charset="0"/>
+              </a:rPr>
+              <a:t> worked, I thought that would be easy because I just swap the xml parser for </a:t>
+            </a:r>
+            <a:r>
+              <a:rPr kumimoji="0" lang="en-US" altLang="en-US" sz="1800" b="0" i="0" u="none" strike="noStrike" cap="none" normalizeH="0" baseline="0" dirty="0" err="1">
+                <a:ln>
+                  <a:noFill/>
+                </a:ln>
+                <a:solidFill>
+                  <a:schemeClr val="tx1"/>
+                </a:solidFill>
+                <a:effectLst/>
+                <a:latin typeface="Arial" panose="020B0604020202020204" pitchFamily="34" charset="0"/>
+              </a:rPr>
+              <a:t>json</a:t>
+            </a:r>
+            <a:r>
+              <a:rPr kumimoji="0" lang="en-US" altLang="en-US" sz="1800" b="0" i="0" u="none" strike="noStrike" cap="none" normalizeH="0" baseline="0" dirty="0">
+                <a:ln>
+                  <a:noFill/>
+                </a:ln>
+                <a:solidFill>
+                  <a:schemeClr val="tx1"/>
+                </a:solidFill>
+                <a:effectLst/>
+                <a:latin typeface="Arial" panose="020B0604020202020204" pitchFamily="34" charset="0"/>
+              </a:rPr>
+              <a:t>.... not the case.</a:t>
+            </a:r>
+            <a:br>
+              <a:rPr kumimoji="0" lang="en-US" altLang="en-US" sz="1800" b="0" i="0" u="none" strike="noStrike" cap="none" normalizeH="0" baseline="0" dirty="0">
+                <a:ln>
+                  <a:noFill/>
+                </a:ln>
+                <a:solidFill>
+                  <a:schemeClr val="tx1"/>
+                </a:solidFill>
+                <a:effectLst/>
+                <a:latin typeface="Arial" panose="020B0604020202020204" pitchFamily="34" charset="0"/>
+              </a:rPr>
+            </a:br>
+            <a:endParaRPr kumimoji="0" lang="en-US" altLang="en-US" sz="1800" b="0" i="0" u="none" strike="noStrike" cap="none" normalizeH="0" baseline="0" dirty="0">
+              <a:ln>
+                <a:noFill/>
+              </a:ln>
+              <a:solidFill>
+                <a:schemeClr val="tx1"/>
+              </a:solidFill>
+              <a:effectLst/>
+              <a:latin typeface="Arial" panose="020B0604020202020204" pitchFamily="34" charset="0"/>
+            </a:endParaRPr>
+          </a:p>
+          <a:p>
+            <a:pPr marL="0" marR="0" lvl="0" indent="0" algn="l" defTabSz="914400" rtl="0" eaLnBrk="0" fontAlgn="base" latinLnBrk="0" hangingPunct="0">
+              <a:lnSpc>
+                <a:spcPct val="100000"/>
+              </a:lnSpc>
+              <a:spcBef>
+                <a:spcPct val="0"/>
+              </a:spcBef>
+              <a:spcAft>
+                <a:spcPct val="0"/>
+              </a:spcAft>
+              <a:buClrTx/>
+              <a:buSzTx/>
+              <a:buFontTx/>
+              <a:buNone/>
+              <a:tabLst/>
+            </a:pPr>
+            <a:r>
+              <a:rPr kumimoji="0" lang="en-US" altLang="en-US" sz="1800" b="0" i="0" u="none" strike="noStrike" cap="none" normalizeH="0" baseline="0" dirty="0">
+                <a:ln>
+                  <a:noFill/>
+                </a:ln>
+                <a:solidFill>
+                  <a:schemeClr val="tx1"/>
+                </a:solidFill>
+                <a:effectLst/>
+                <a:latin typeface="Arial" panose="020B0604020202020204" pitchFamily="34" charset="0"/>
+              </a:rPr>
+              <a:t>The standard GA/GP workflow is: create population -&gt; run -&gt; get fitness -&gt; cross-over/mutation -&gt; new population -&gt; repeat..</a:t>
+            </a:r>
+          </a:p>
+          <a:p>
+            <a:pPr marL="0" marR="0" lvl="0" indent="0" algn="l" defTabSz="914400" rtl="0" eaLnBrk="0" fontAlgn="base" latinLnBrk="0" hangingPunct="0">
+              <a:lnSpc>
+                <a:spcPct val="100000"/>
+              </a:lnSpc>
+              <a:spcBef>
+                <a:spcPct val="0"/>
+              </a:spcBef>
+              <a:spcAft>
+                <a:spcPct val="0"/>
+              </a:spcAft>
+              <a:buClrTx/>
+              <a:buSzTx/>
+              <a:buFontTx/>
+              <a:buNone/>
+              <a:tabLst/>
+            </a:pPr>
+            <a:endParaRPr kumimoji="0" lang="en-US" altLang="en-US" sz="1800" b="0" i="0" u="none" strike="noStrike" cap="none" normalizeH="0" baseline="0" dirty="0">
+              <a:ln>
+                <a:noFill/>
+              </a:ln>
+              <a:solidFill>
+                <a:schemeClr val="tx1"/>
+              </a:solidFill>
+              <a:effectLst/>
+              <a:latin typeface="Arial" panose="020B0604020202020204" pitchFamily="34" charset="0"/>
+            </a:endParaRPr>
+          </a:p>
+          <a:p>
+            <a:pPr marL="0" marR="0" lvl="0" indent="0" algn="l" defTabSz="914400" rtl="0" eaLnBrk="0" fontAlgn="base" latinLnBrk="0" hangingPunct="0">
+              <a:lnSpc>
+                <a:spcPct val="100000"/>
+              </a:lnSpc>
+              <a:spcBef>
+                <a:spcPct val="0"/>
+              </a:spcBef>
+              <a:spcAft>
+                <a:spcPct val="0"/>
+              </a:spcAft>
+              <a:buClrTx/>
+              <a:buSzTx/>
+              <a:buFontTx/>
+              <a:buNone/>
+              <a:tabLst/>
+            </a:pPr>
+            <a:r>
+              <a:rPr kumimoji="0" lang="en-US" altLang="en-US" sz="1800" b="0" i="0" u="none" strike="noStrike" cap="none" normalizeH="0" baseline="0" dirty="0">
+                <a:ln>
+                  <a:noFill/>
+                </a:ln>
+                <a:solidFill>
+                  <a:schemeClr val="tx1"/>
+                </a:solidFill>
+                <a:effectLst/>
+                <a:latin typeface="Arial" panose="020B0604020202020204" pitchFamily="34" charset="0"/>
+              </a:rPr>
+              <a:t>Do we start with 1 entity and then go from there; start with 10 and fitness is defined as length of life and something with maintained energy level. And run the entire simulation, then perform the GA process above? Or take the population as the die, and one at a time toss them in and then pool the fitness response? ...</a:t>
+            </a:r>
+          </a:p>
+          <a:p>
+            <a:pPr marL="0" marR="0" lvl="0" indent="0" algn="l" defTabSz="914400" rtl="0" eaLnBrk="0" fontAlgn="base" latinLnBrk="0" hangingPunct="0">
+              <a:lnSpc>
+                <a:spcPct val="100000"/>
+              </a:lnSpc>
+              <a:spcBef>
+                <a:spcPct val="0"/>
+              </a:spcBef>
+              <a:spcAft>
+                <a:spcPct val="0"/>
+              </a:spcAft>
+              <a:buClrTx/>
+              <a:buSzTx/>
+              <a:buFontTx/>
+              <a:buNone/>
+              <a:tabLst/>
+            </a:pPr>
+            <a:endParaRPr kumimoji="0" lang="en-US" altLang="en-US" sz="1800" b="0" i="0" u="none" strike="noStrike" cap="none" normalizeH="0" baseline="0" dirty="0">
+              <a:ln>
+                <a:noFill/>
+              </a:ln>
+              <a:solidFill>
+                <a:schemeClr val="tx1"/>
+              </a:solidFill>
+              <a:effectLst/>
+              <a:latin typeface="Arial" panose="020B0604020202020204" pitchFamily="34" charset="0"/>
+            </a:endParaRPr>
+          </a:p>
+          <a:p>
+            <a:pPr marL="0" marR="0" lvl="0" indent="0" algn="l" defTabSz="914400" rtl="0" eaLnBrk="0" fontAlgn="base" latinLnBrk="0" hangingPunct="0">
+              <a:lnSpc>
+                <a:spcPct val="100000"/>
+              </a:lnSpc>
+              <a:spcBef>
+                <a:spcPct val="0"/>
+              </a:spcBef>
+              <a:spcAft>
+                <a:spcPct val="0"/>
+              </a:spcAft>
+              <a:buClrTx/>
+              <a:buSzTx/>
+              <a:buFontTx/>
+              <a:buNone/>
+              <a:tabLst/>
+            </a:pPr>
+            <a:r>
+              <a:rPr kumimoji="0" lang="en-US" altLang="en-US" sz="1800" b="0" i="0" u="none" strike="noStrike" cap="none" normalizeH="0" baseline="0" dirty="0">
+                <a:ln>
+                  <a:noFill/>
+                </a:ln>
+                <a:solidFill>
+                  <a:schemeClr val="tx1"/>
+                </a:solidFill>
+                <a:effectLst/>
+                <a:latin typeface="Arial" panose="020B0604020202020204" pitchFamily="34" charset="0"/>
+              </a:rPr>
+              <a:t>The sample long-life evolutionary systems seem to be structured so that they only do mutation. So, if an entity is successful, it will asexually 'breed' a new one that is only subjected to a mutation operator. I don't think that this is all that we want....</a:t>
+            </a:r>
+            <a:br>
+              <a:rPr kumimoji="0" lang="en-US" altLang="en-US" sz="1800" b="0" i="0" u="none" strike="noStrike" cap="none" normalizeH="0" baseline="0" dirty="0">
+                <a:ln>
+                  <a:noFill/>
+                </a:ln>
+                <a:solidFill>
+                  <a:schemeClr val="tx1"/>
+                </a:solidFill>
+                <a:effectLst/>
+                <a:latin typeface="Arial" panose="020B0604020202020204" pitchFamily="34" charset="0"/>
+              </a:rPr>
+            </a:br>
+            <a:endParaRPr kumimoji="0" lang="en-US" altLang="en-US" sz="1800" b="0" i="0" u="none" strike="noStrike" cap="none" normalizeH="0" baseline="0" dirty="0">
+              <a:ln>
+                <a:noFill/>
+              </a:ln>
+              <a:solidFill>
+                <a:schemeClr val="tx1"/>
+              </a:solidFill>
+              <a:effectLst/>
+              <a:latin typeface="Arial" panose="020B0604020202020204" pitchFamily="34" charset="0"/>
+            </a:endParaRPr>
+          </a:p>
+          <a:p>
+            <a:pPr marL="0" marR="0" lvl="0" indent="0" algn="l" defTabSz="914400" rtl="0" eaLnBrk="0" fontAlgn="base" latinLnBrk="0" hangingPunct="0">
+              <a:lnSpc>
+                <a:spcPct val="100000"/>
+              </a:lnSpc>
+              <a:spcBef>
+                <a:spcPct val="0"/>
+              </a:spcBef>
+              <a:spcAft>
+                <a:spcPct val="0"/>
+              </a:spcAft>
+              <a:buClrTx/>
+              <a:buSzTx/>
+              <a:buFontTx/>
+              <a:buNone/>
+              <a:tabLst/>
+            </a:pPr>
+            <a:r>
+              <a:rPr kumimoji="0" lang="en-US" altLang="en-US" sz="1800" b="0" i="0" u="none" strike="noStrike" cap="none" normalizeH="0" baseline="0" dirty="0">
+                <a:ln>
+                  <a:noFill/>
+                </a:ln>
+                <a:solidFill>
+                  <a:schemeClr val="tx1"/>
+                </a:solidFill>
+                <a:effectLst/>
+                <a:latin typeface="Arial" panose="020B0604020202020204" pitchFamily="34" charset="0"/>
+              </a:rPr>
+              <a:t>Also, doesn't seem to be a lot academically:</a:t>
+            </a:r>
+            <a:br>
+              <a:rPr kumimoji="0" lang="en-US" altLang="en-US" sz="1800" b="0" i="0" u="none" strike="noStrike" cap="none" normalizeH="0" baseline="0" dirty="0">
+                <a:ln>
+                  <a:noFill/>
+                </a:ln>
+                <a:solidFill>
+                  <a:schemeClr val="tx1"/>
+                </a:solidFill>
+                <a:effectLst/>
+                <a:latin typeface="Arial" panose="020B0604020202020204" pitchFamily="34" charset="0"/>
+              </a:rPr>
+            </a:br>
+            <a:r>
+              <a:rPr kumimoji="0" lang="en-US" altLang="en-US" sz="1800" b="0" i="0" u="none" strike="noStrike" cap="none" normalizeH="0" baseline="0" dirty="0">
+                <a:ln>
+                  <a:noFill/>
+                </a:ln>
+                <a:solidFill>
+                  <a:schemeClr val="tx1"/>
+                </a:solidFill>
+                <a:effectLst/>
+                <a:latin typeface="Arial" panose="020B0604020202020204" pitchFamily="34" charset="0"/>
+                <a:hlinkClick r:id="rId2"/>
+              </a:rPr>
+              <a:t>https://scholarship.libraries.rutgers.edu/esploro/outputs/technicalDocumentation/GADO-A-Genetic-Algorithm-for-Continuous/991031550235504646</a:t>
+            </a:r>
+            <a:endParaRPr kumimoji="0" lang="en-US" altLang="en-US" sz="1800" b="0" i="0" u="none" strike="noStrike" cap="none" normalizeH="0" baseline="0" dirty="0">
+              <a:ln>
+                <a:noFill/>
+              </a:ln>
+              <a:solidFill>
+                <a:schemeClr val="tx1"/>
+              </a:solidFill>
+              <a:effectLst/>
+              <a:latin typeface="Arial" panose="020B0604020202020204" pitchFamily="34" charset="0"/>
+            </a:endParaRPr>
+          </a:p>
+          <a:p>
+            <a:pPr marL="0" marR="0" lvl="0" indent="0" algn="l" defTabSz="914400" rtl="0" eaLnBrk="0" fontAlgn="base" latinLnBrk="0" hangingPunct="0">
+              <a:lnSpc>
+                <a:spcPct val="100000"/>
+              </a:lnSpc>
+              <a:spcBef>
+                <a:spcPct val="0"/>
+              </a:spcBef>
+              <a:spcAft>
+                <a:spcPct val="0"/>
+              </a:spcAft>
+              <a:buClrTx/>
+              <a:buSzTx/>
+              <a:buFontTx/>
+              <a:buNone/>
+              <a:tabLst/>
+            </a:pPr>
+            <a:r>
+              <a:rPr kumimoji="0" lang="en-US" altLang="en-US" sz="1800" b="0" i="0" u="none" strike="noStrike" cap="none" normalizeH="0" baseline="0" dirty="0">
+                <a:ln>
+                  <a:noFill/>
+                </a:ln>
+                <a:solidFill>
+                  <a:schemeClr val="tx1"/>
+                </a:solidFill>
+                <a:effectLst/>
+                <a:latin typeface="Arial" panose="020B0604020202020204" pitchFamily="34" charset="0"/>
+                <a:hlinkClick r:id="rId3"/>
+              </a:rPr>
+              <a:t>https://pdxscholar.library.pdx.edu/cgi/viewcontent.cgi?article=1003&amp;context=compsci_fac</a:t>
+            </a:r>
+            <a:endParaRPr kumimoji="0" lang="en-US" altLang="en-US" sz="1800" b="0" i="0" u="none" strike="noStrike" cap="none" normalizeH="0" baseline="0" dirty="0">
+              <a:ln>
+                <a:noFill/>
+              </a:ln>
+              <a:solidFill>
+                <a:schemeClr val="tx1"/>
+              </a:solidFill>
+              <a:effectLst/>
+              <a:latin typeface="Arial" panose="020B0604020202020204" pitchFamily="34" charset="0"/>
+            </a:endParaRPr>
+          </a:p>
+        </p:txBody>
+      </p:sp>
+    </p:spTree>
+    <p:extLst>
+      <p:ext uri="{BB962C8B-B14F-4D97-AF65-F5344CB8AC3E}">
+        <p14:creationId xmlns:p14="http://schemas.microsoft.com/office/powerpoint/2010/main" val="193414397"/>
+      </p:ext>
+    </p:extLst>
+  </p:cSld>
+  <p:clrMapOvr>
+    <a:masterClrMapping/>
+  </p:clrMapOvr>
+</p:sld>
+</file>
+
+<file path=ppt/slides/slide4.xml><?xml version="1.0" encoding="utf-8"?>
+<p:sld xmlns:a="http://schemas.openxmlformats.org/drawingml/2006/main" xmlns:r="http://schemas.openxmlformats.org/officeDocument/2006/relationships" xmlns:p="http://schemas.openxmlformats.org/presentationml/2006/main">
+  <p:cSld>
+    <p:spTree>
+      <p:nvGrpSpPr>
+        <p:cNvPr id="1" name=""/>
+        <p:cNvGrpSpPr/>
+        <p:nvPr/>
+      </p:nvGrpSpPr>
+      <p:grpSpPr>
+        <a:xfrm>
+          <a:off x="0" y="0"/>
+          <a:ext cx="0" cy="0"/>
+          <a:chOff x="0" y="0"/>
+          <a:chExt cx="0" cy="0"/>
+        </a:xfrm>
+      </p:grpSpPr>
+      <p:sp>
+        <p:nvSpPr>
+          <p:cNvPr id="3" name="Content Placeholder 2">
+            <a:extLst>
+              <a:ext uri="{FF2B5EF4-FFF2-40B4-BE49-F238E27FC236}">
+                <a16:creationId xmlns:a16="http://schemas.microsoft.com/office/drawing/2014/main" id="{7F4AA440-67AA-2224-44DC-2F2CE98C8747}"/>
+              </a:ext>
+            </a:extLst>
+          </p:cNvPr>
+          <p:cNvSpPr>
+            <a:spLocks noGrp="1"/>
+          </p:cNvSpPr>
+          <p:nvPr>
+            <p:ph idx="1"/>
+          </p:nvPr>
+        </p:nvSpPr>
+        <p:spPr/>
+        <p:txBody>
+          <a:bodyPr>
+            <a:normAutofit fontScale="92500" lnSpcReduction="10000"/>
+          </a:bodyPr>
+          <a:lstStyle/>
+          <a:p>
+            <a:r>
+              <a:rPr lang="en-US" dirty="0"/>
+              <a:t>start with 5 randomly generated.</a:t>
+            </a:r>
+          </a:p>
+          <a:p>
+            <a:r>
+              <a:rPr lang="en-US" dirty="0"/>
+              <a:t>Each time one drops off food - record their genome.</a:t>
+            </a:r>
+          </a:p>
+          <a:p>
+            <a:r>
+              <a:rPr lang="en-US" dirty="0"/>
+              <a:t>At spawn time perform cross-over and mutation on those that have dropped off food</a:t>
+            </a:r>
+          </a:p>
+          <a:p>
+            <a:r>
+              <a:rPr lang="en-US" dirty="0"/>
+              <a:t> - design choices: selection from {since the last spawn, out of the last 5-10, out of all over lifetime, ranked by energy and lifetime}?</a:t>
+            </a:r>
+            <a:br>
+              <a:rPr lang="en-US" dirty="0"/>
+            </a:br>
+            <a:endParaRPr lang="en-US" dirty="0"/>
+          </a:p>
+          <a:p>
+            <a:r>
+              <a:rPr lang="en-US" dirty="0"/>
+              <a:t>If there hasn't been a spawn in a set time period, spawn a new agent anyway?</a:t>
+            </a:r>
+            <a:br>
+              <a:rPr lang="en-US" dirty="0"/>
+            </a:br>
+            <a:endParaRPr lang="en-US" dirty="0"/>
+          </a:p>
+          <a:p>
+            <a:r>
+              <a:rPr lang="en-US" dirty="0"/>
+              <a:t>If there is a colony collapse restart OR carry over best and restart?</a:t>
+            </a:r>
+          </a:p>
+          <a:p>
+            <a:endParaRPr lang="en-US" dirty="0"/>
+          </a:p>
+        </p:txBody>
+      </p:sp>
+    </p:spTree>
+    <p:extLst>
+      <p:ext uri="{BB962C8B-B14F-4D97-AF65-F5344CB8AC3E}">
+        <p14:creationId xmlns:p14="http://schemas.microsoft.com/office/powerpoint/2010/main" val="303062046"/>
+      </p:ext>
+    </p:extLst>
+  </p:cSld>
+  <p:clrMapOvr>
+    <a:masterClrMapping/>
+  </p:clrMapOvr>
+</p:sld>
+</file>
+
+<file path=ppt/slides/slide5.xml><?xml version="1.0" encoding="utf-8"?>
+<p:sld xmlns:a="http://schemas.openxmlformats.org/drawingml/2006/main" xmlns:r="http://schemas.openxmlformats.org/officeDocument/2006/relationships" xmlns:p="http://schemas.openxmlformats.org/presentationml/2006/main">
+  <p:cSld>
+    <p:spTree>
+      <p:nvGrpSpPr>
+        <p:cNvPr id="1" name=""/>
+        <p:cNvGrpSpPr/>
+        <p:nvPr/>
+      </p:nvGrpSpPr>
+      <p:grpSpPr>
+        <a:xfrm>
+          <a:off x="0" y="0"/>
+          <a:ext cx="0" cy="0"/>
+          <a:chOff x="0" y="0"/>
+          <a:chExt cx="0" cy="0"/>
+        </a:xfrm>
+      </p:grpSpPr>
+      <p:sp>
+        <p:nvSpPr>
+          <p:cNvPr id="2" name="Title 1">
+            <a:extLst>
+              <a:ext uri="{FF2B5EF4-FFF2-40B4-BE49-F238E27FC236}">
+                <a16:creationId xmlns:a16="http://schemas.microsoft.com/office/drawing/2014/main" id="{3284076A-9AF3-F328-AABF-629D21CFBBA1}"/>
+              </a:ext>
+            </a:extLst>
+          </p:cNvPr>
+          <p:cNvSpPr>
+            <a:spLocks noGrp="1"/>
+          </p:cNvSpPr>
+          <p:nvPr>
+            <p:ph type="title"/>
+          </p:nvPr>
+        </p:nvSpPr>
+        <p:spPr/>
+        <p:txBody>
+          <a:bodyPr/>
+          <a:lstStyle/>
+          <a:p>
+            <a:endParaRPr lang="en-US"/>
+          </a:p>
+        </p:txBody>
+      </p:sp>
+      <p:sp>
+        <p:nvSpPr>
+          <p:cNvPr id="3" name="Content Placeholder 2">
+            <a:extLst>
+              <a:ext uri="{FF2B5EF4-FFF2-40B4-BE49-F238E27FC236}">
+                <a16:creationId xmlns:a16="http://schemas.microsoft.com/office/drawing/2014/main" id="{2433117F-A338-9250-E55F-1465550D7882}"/>
+              </a:ext>
+            </a:extLst>
+          </p:cNvPr>
+          <p:cNvSpPr>
+            <a:spLocks noGrp="1"/>
+          </p:cNvSpPr>
+          <p:nvPr>
+            <p:ph idx="1"/>
+          </p:nvPr>
+        </p:nvSpPr>
+        <p:spPr/>
+        <p:txBody>
+          <a:bodyPr>
+            <a:normAutofit fontScale="55000" lnSpcReduction="20000"/>
+          </a:bodyPr>
+          <a:lstStyle/>
+          <a:p>
+            <a:r>
+              <a:rPr lang="en-US" dirty="0"/>
+              <a:t>Life-Long System</a:t>
+            </a:r>
+          </a:p>
+          <a:p>
+            <a:endParaRPr lang="en-US" dirty="0"/>
+          </a:p>
+          <a:p>
+            <a:r>
+              <a:rPr lang="en-US" dirty="0"/>
+              <a:t> Problem, most self-organizing happens at one layer. Need at least 2. Addressed with behavior tree and colony performance?</a:t>
+            </a:r>
+          </a:p>
+          <a:p>
+            <a:r>
+              <a:rPr lang="en-US" dirty="0"/>
+              <a:t>  i.e. individual learning and ?social learning?</a:t>
+            </a:r>
+          </a:p>
+          <a:p>
+            <a:r>
+              <a:rPr lang="en-US" dirty="0"/>
+              <a:t> </a:t>
+            </a:r>
+          </a:p>
+          <a:p>
+            <a:r>
+              <a:rPr lang="en-US" dirty="0"/>
+              <a:t> Qualia World isn't quite working, but the colony is. So can connect something.</a:t>
+            </a:r>
+          </a:p>
+          <a:p>
+            <a:r>
+              <a:rPr lang="en-US" dirty="0"/>
+              <a:t>    Genetic Programming worked with </a:t>
+            </a:r>
+            <a:r>
+              <a:rPr lang="en-US" dirty="0" err="1"/>
+              <a:t>Robocode</a:t>
+            </a:r>
+            <a:r>
+              <a:rPr lang="en-US" dirty="0"/>
+              <a:t>. Problem Genetic algorithm approaches are population based, not necessarily based on continuous spawning. How to do this?</a:t>
+            </a:r>
+          </a:p>
+          <a:p>
+            <a:r>
+              <a:rPr lang="en-US" dirty="0"/>
+              <a:t>	Examples found seem to only use mutation.</a:t>
+            </a:r>
+          </a:p>
+          <a:p>
+            <a:r>
+              <a:rPr lang="en-US" dirty="0"/>
+              <a:t>	Fitness eval (length of life) will be very sparse when agents do well. This matches the target domain of ASCE-BITS because feedback from humans has been shown to be sparse in the HRA version.</a:t>
+            </a:r>
+          </a:p>
+          <a:p>
+            <a:r>
+              <a:rPr lang="en-US" dirty="0"/>
+              <a:t>	</a:t>
+            </a:r>
+          </a:p>
+          <a:p>
+            <a:r>
+              <a:rPr lang="en-US" dirty="0"/>
+              <a:t>	</a:t>
+            </a:r>
+          </a:p>
+          <a:p>
+            <a:r>
+              <a:rPr lang="en-US" dirty="0"/>
+              <a:t> GADO: Genetic...</a:t>
+            </a:r>
+          </a:p>
+          <a:p>
+            <a:r>
+              <a:rPr lang="en-US" dirty="0"/>
+              <a:t> Does the Field of Computational life?</a:t>
+            </a:r>
+          </a:p>
+          <a:p>
+            <a:r>
+              <a:rPr lang="en-US"/>
+              <a:t>https://pdxscholar.library.pdf.edu/cgi/viewcontent.cgi?article=1003&amp;context=compsci_fac</a:t>
+            </a:r>
+          </a:p>
+        </p:txBody>
+      </p:sp>
+    </p:spTree>
+    <p:extLst>
+      <p:ext uri="{BB962C8B-B14F-4D97-AF65-F5344CB8AC3E}">
+        <p14:creationId xmlns:p14="http://schemas.microsoft.com/office/powerpoint/2010/main" val="590771946"/>
       </p:ext>
     </p:extLst>
   </p:cSld>

--- a/images/VehicleFrames.pptx
+++ b/images/VehicleFrames.pptx
@@ -7,9 +7,9 @@
   <p:sldIdLst>
     <p:sldId id="256" r:id="rId2"/>
     <p:sldId id="257" r:id="rId3"/>
-    <p:sldId id="259" r:id="rId4"/>
-    <p:sldId id="258" r:id="rId5"/>
-    <p:sldId id="260" r:id="rId6"/>
+    <p:sldId id="260" r:id="rId4"/>
+    <p:sldId id="259" r:id="rId5"/>
+    <p:sldId id="258" r:id="rId6"/>
   </p:sldIdLst>
   <p:sldSz cx="12192000" cy="6858000"/>
   <p:notesSz cx="6858000" cy="9144000"/>
@@ -263,7 +263,7 @@
           <a:p>
             <a:fld id="{56E108D0-6AE7-49B2-AFDE-F7842EC0DADF}" type="datetimeFigureOut">
               <a:rPr lang="en-US" smtClean="0"/>
-              <a:t>2/27/2024</a:t>
+              <a:t>2/28/2024</a:t>
             </a:fld>
             <a:endParaRPr lang="en-US"/>
           </a:p>
@@ -461,7 +461,7 @@
           <a:p>
             <a:fld id="{56E108D0-6AE7-49B2-AFDE-F7842EC0DADF}" type="datetimeFigureOut">
               <a:rPr lang="en-US" smtClean="0"/>
-              <a:t>2/27/2024</a:t>
+              <a:t>2/28/2024</a:t>
             </a:fld>
             <a:endParaRPr lang="en-US"/>
           </a:p>
@@ -669,7 +669,7 @@
           <a:p>
             <a:fld id="{56E108D0-6AE7-49B2-AFDE-F7842EC0DADF}" type="datetimeFigureOut">
               <a:rPr lang="en-US" smtClean="0"/>
-              <a:t>2/27/2024</a:t>
+              <a:t>2/28/2024</a:t>
             </a:fld>
             <a:endParaRPr lang="en-US"/>
           </a:p>
@@ -867,7 +867,7 @@
           <a:p>
             <a:fld id="{56E108D0-6AE7-49B2-AFDE-F7842EC0DADF}" type="datetimeFigureOut">
               <a:rPr lang="en-US" smtClean="0"/>
-              <a:t>2/27/2024</a:t>
+              <a:t>2/28/2024</a:t>
             </a:fld>
             <a:endParaRPr lang="en-US"/>
           </a:p>
@@ -1142,7 +1142,7 @@
           <a:p>
             <a:fld id="{56E108D0-6AE7-49B2-AFDE-F7842EC0DADF}" type="datetimeFigureOut">
               <a:rPr lang="en-US" smtClean="0"/>
-              <a:t>2/27/2024</a:t>
+              <a:t>2/28/2024</a:t>
             </a:fld>
             <a:endParaRPr lang="en-US"/>
           </a:p>
@@ -1407,7 +1407,7 @@
           <a:p>
             <a:fld id="{56E108D0-6AE7-49B2-AFDE-F7842EC0DADF}" type="datetimeFigureOut">
               <a:rPr lang="en-US" smtClean="0"/>
-              <a:t>2/27/2024</a:t>
+              <a:t>2/28/2024</a:t>
             </a:fld>
             <a:endParaRPr lang="en-US"/>
           </a:p>
@@ -1819,7 +1819,7 @@
           <a:p>
             <a:fld id="{56E108D0-6AE7-49B2-AFDE-F7842EC0DADF}" type="datetimeFigureOut">
               <a:rPr lang="en-US" smtClean="0"/>
-              <a:t>2/27/2024</a:t>
+              <a:t>2/28/2024</a:t>
             </a:fld>
             <a:endParaRPr lang="en-US"/>
           </a:p>
@@ -1960,7 +1960,7 @@
           <a:p>
             <a:fld id="{56E108D0-6AE7-49B2-AFDE-F7842EC0DADF}" type="datetimeFigureOut">
               <a:rPr lang="en-US" smtClean="0"/>
-              <a:t>2/27/2024</a:t>
+              <a:t>2/28/2024</a:t>
             </a:fld>
             <a:endParaRPr lang="en-US"/>
           </a:p>
@@ -2073,7 +2073,7 @@
           <a:p>
             <a:fld id="{56E108D0-6AE7-49B2-AFDE-F7842EC0DADF}" type="datetimeFigureOut">
               <a:rPr lang="en-US" smtClean="0"/>
-              <a:t>2/27/2024</a:t>
+              <a:t>2/28/2024</a:t>
             </a:fld>
             <a:endParaRPr lang="en-US"/>
           </a:p>
@@ -2384,7 +2384,7 @@
           <a:p>
             <a:fld id="{56E108D0-6AE7-49B2-AFDE-F7842EC0DADF}" type="datetimeFigureOut">
               <a:rPr lang="en-US" smtClean="0"/>
-              <a:t>2/27/2024</a:t>
+              <a:t>2/28/2024</a:t>
             </a:fld>
             <a:endParaRPr lang="en-US"/>
           </a:p>
@@ -2672,7 +2672,7 @@
           <a:p>
             <a:fld id="{56E108D0-6AE7-49B2-AFDE-F7842EC0DADF}" type="datetimeFigureOut">
               <a:rPr lang="en-US" smtClean="0"/>
-              <a:t>2/27/2024</a:t>
+              <a:t>2/28/2024</a:t>
             </a:fld>
             <a:endParaRPr lang="en-US"/>
           </a:p>
@@ -2913,7 +2913,7 @@
           <a:p>
             <a:fld id="{56E108D0-6AE7-49B2-AFDE-F7842EC0DADF}" type="datetimeFigureOut">
               <a:rPr lang="en-US" smtClean="0"/>
-              <a:t>2/27/2024</a:t>
+              <a:t>2/28/2024</a:t>
             </a:fld>
             <a:endParaRPr lang="en-US"/>
           </a:p>
@@ -4313,10 +4313,239 @@
       </p:grpSpPr>
       <p:sp>
         <p:nvSpPr>
+          <p:cNvPr id="2" name="Title 1">
+            <a:extLst>
+              <a:ext uri="{FF2B5EF4-FFF2-40B4-BE49-F238E27FC236}">
+                <a16:creationId xmlns:a16="http://schemas.microsoft.com/office/drawing/2014/main" id="{3284076A-9AF3-F328-AABF-629D21CFBBA1}"/>
+              </a:ext>
+            </a:extLst>
+          </p:cNvPr>
+          <p:cNvSpPr>
+            <a:spLocks noGrp="1"/>
+          </p:cNvSpPr>
+          <p:nvPr>
+            <p:ph type="title"/>
+          </p:nvPr>
+        </p:nvSpPr>
+        <p:spPr/>
+        <p:txBody>
+          <a:bodyPr/>
+          <a:lstStyle/>
+          <a:p>
+            <a:r>
+              <a:rPr lang="en-US" dirty="0"/>
+              <a:t>Life-Long System</a:t>
+            </a:r>
+          </a:p>
+        </p:txBody>
+      </p:sp>
+      <p:sp>
+        <p:nvSpPr>
+          <p:cNvPr id="3" name="Content Placeholder 2">
+            <a:extLst>
+              <a:ext uri="{FF2B5EF4-FFF2-40B4-BE49-F238E27FC236}">
+                <a16:creationId xmlns:a16="http://schemas.microsoft.com/office/drawing/2014/main" id="{2433117F-A338-9250-E55F-1465550D7882}"/>
+              </a:ext>
+            </a:extLst>
+          </p:cNvPr>
+          <p:cNvSpPr>
+            <a:spLocks noGrp="1"/>
+          </p:cNvSpPr>
+          <p:nvPr>
+            <p:ph idx="1"/>
+          </p:nvPr>
+        </p:nvSpPr>
+        <p:spPr>
+          <a:xfrm>
+            <a:off x="838200" y="1381125"/>
+            <a:ext cx="6238875" cy="4795838"/>
+          </a:xfrm>
+        </p:spPr>
+        <p:txBody>
+          <a:bodyPr>
+            <a:normAutofit fontScale="70000" lnSpcReduction="20000"/>
+          </a:bodyPr>
+          <a:lstStyle/>
+          <a:p>
+            <a:r>
+              <a:rPr lang="en-US" dirty="0"/>
+              <a:t>Problem, most self-organizing happens at one layer. Want at least 2. Addressed with behavior tree and colony performance (will it flatten?)</a:t>
+            </a:r>
+          </a:p>
+          <a:p>
+            <a:pPr lvl="1"/>
+            <a:r>
+              <a:rPr lang="en-US" dirty="0"/>
+              <a:t>Alternative individual learning and ?social learning?</a:t>
+            </a:r>
+          </a:p>
+          <a:p>
+            <a:r>
+              <a:rPr lang="en-US" dirty="0"/>
+              <a:t> Qualia World isn't quite working, but the colony is. So can connect something.</a:t>
+            </a:r>
+          </a:p>
+          <a:p>
+            <a:pPr lvl="1"/>
+            <a:r>
+              <a:rPr lang="en-US" dirty="0"/>
+              <a:t>Genetic Programming worked with </a:t>
+            </a:r>
+            <a:r>
+              <a:rPr lang="en-US" dirty="0" err="1"/>
+              <a:t>Robocode</a:t>
+            </a:r>
+            <a:r>
+              <a:rPr lang="en-US" dirty="0"/>
+              <a:t>. Problem Genetic algorithm approaches are population based, not necessarily based on continuous spawning. How to do this?</a:t>
+            </a:r>
+          </a:p>
+          <a:p>
+            <a:pPr lvl="1"/>
+            <a:r>
+              <a:rPr lang="en-US" dirty="0"/>
+              <a:t>Examples found seem to only use mutation.</a:t>
+            </a:r>
+          </a:p>
+          <a:p>
+            <a:pPr lvl="1"/>
+            <a:r>
+              <a:rPr lang="en-US" dirty="0"/>
+              <a:t>Fitness eval (length of life) will be very sparse when agents do well. </a:t>
+            </a:r>
+            <a:r>
+              <a:rPr lang="en-US" i="1" dirty="0">
+                <a:solidFill>
+                  <a:srgbClr val="7030A0"/>
+                </a:solidFill>
+              </a:rPr>
+              <a:t>This matches the target domain of ASCE-BITS because feedback from humans has been shown to be sparse in the HRA version.</a:t>
+            </a:r>
+          </a:p>
+          <a:p>
+            <a:r>
+              <a:rPr lang="en-US" dirty="0"/>
+              <a:t>Not a lot academically:</a:t>
+            </a:r>
+          </a:p>
+          <a:p>
+            <a:pPr lvl="1"/>
+            <a:r>
+              <a:rPr lang="en-US" dirty="0"/>
+              <a:t>GADO: A Genetic Algorithm for Continuous Design Optimization Does the Field of Computational life?</a:t>
+            </a:r>
+          </a:p>
+          <a:p>
+            <a:pPr lvl="1"/>
+            <a:r>
+              <a:rPr lang="en-US" dirty="0"/>
+              <a:t>Genetic Algorithms and Artificial Life https://pdxscholar.library.pdf.edu/cgi/viewcontent.cgi?article=1003&amp;context=compsci_fac</a:t>
+            </a:r>
+          </a:p>
+        </p:txBody>
+      </p:sp>
+      <p:pic>
+        <p:nvPicPr>
+          <p:cNvPr id="5" name="Picture 4">
+            <a:extLst>
+              <a:ext uri="{FF2B5EF4-FFF2-40B4-BE49-F238E27FC236}">
+                <a16:creationId xmlns:a16="http://schemas.microsoft.com/office/drawing/2014/main" id="{38A0112F-5BFF-7FD6-23D8-332B94DB6800}"/>
+              </a:ext>
+            </a:extLst>
+          </p:cNvPr>
+          <p:cNvPicPr>
+            <a:picLocks noChangeAspect="1"/>
+          </p:cNvPicPr>
+          <p:nvPr/>
+        </p:nvPicPr>
+        <p:blipFill>
+          <a:blip r:embed="rId2"/>
+          <a:stretch>
+            <a:fillRect/>
+          </a:stretch>
+        </p:blipFill>
+        <p:spPr>
+          <a:xfrm>
+            <a:off x="7000875" y="3367784"/>
+            <a:ext cx="4981575" cy="2938730"/>
+          </a:xfrm>
+          <a:prstGeom prst="rect">
+            <a:avLst/>
+          </a:prstGeom>
+        </p:spPr>
+      </p:pic>
+      <p:pic>
+        <p:nvPicPr>
+          <p:cNvPr id="6" name="Picture 5">
+            <a:extLst>
+              <a:ext uri="{FF2B5EF4-FFF2-40B4-BE49-F238E27FC236}">
+                <a16:creationId xmlns:a16="http://schemas.microsoft.com/office/drawing/2014/main" id="{98CDB551-E9FF-72F3-0500-509A59F82EE9}"/>
+              </a:ext>
+            </a:extLst>
+          </p:cNvPr>
+          <p:cNvPicPr>
+            <a:picLocks noChangeAspect="1"/>
+          </p:cNvPicPr>
+          <p:nvPr/>
+        </p:nvPicPr>
+        <p:blipFill>
+          <a:blip r:embed="rId3"/>
+          <a:stretch>
+            <a:fillRect/>
+          </a:stretch>
+        </p:blipFill>
+        <p:spPr>
+          <a:xfrm>
+            <a:off x="6934199" y="867236"/>
+            <a:ext cx="4848225" cy="2370997"/>
+          </a:xfrm>
+          <a:prstGeom prst="rect">
+            <a:avLst/>
+          </a:prstGeom>
+        </p:spPr>
+      </p:pic>
+    </p:spTree>
+    <p:extLst>
+      <p:ext uri="{BB962C8B-B14F-4D97-AF65-F5344CB8AC3E}">
+        <p14:creationId xmlns:p14="http://schemas.microsoft.com/office/powerpoint/2010/main" val="590771946"/>
+      </p:ext>
+    </p:extLst>
+  </p:cSld>
+  <p:clrMapOvr>
+    <a:masterClrMapping/>
+  </p:clrMapOvr>
+</p:sld>
+</file>
+
+<file path=ppt/slides/slide4.xml><?xml version="1.0" encoding="utf-8"?>
+<p:sld xmlns:a="http://schemas.openxmlformats.org/drawingml/2006/main" xmlns:r="http://schemas.openxmlformats.org/officeDocument/2006/relationships" xmlns:p="http://schemas.openxmlformats.org/presentationml/2006/main">
+  <p:cSld>
+    <p:spTree>
+      <p:nvGrpSpPr>
+        <p:cNvPr id="1" name="">
+          <a:extLst>
+            <a:ext uri="{FF2B5EF4-FFF2-40B4-BE49-F238E27FC236}">
+              <a16:creationId xmlns:a16="http://schemas.microsoft.com/office/drawing/2014/main" id="{C3C2B9BC-4D77-71FA-22BD-DEC2991C0275}"/>
+            </a:ext>
+          </a:extLst>
+        </p:cNvPr>
+        <p:cNvGrpSpPr/>
+        <p:nvPr/>
+      </p:nvGrpSpPr>
+      <p:grpSpPr>
+        <a:xfrm>
+          <a:off x="0" y="0"/>
+          <a:ext cx="0" cy="0"/>
+          <a:chOff x="0" y="0"/>
+          <a:chExt cx="0" cy="0"/>
+        </a:xfrm>
+      </p:grpSpPr>
+      <p:sp>
+        <p:nvSpPr>
           <p:cNvPr id="4" name="Rectangle 1">
             <a:extLst>
               <a:ext uri="{FF2B5EF4-FFF2-40B4-BE49-F238E27FC236}">
-                <a16:creationId xmlns:a16="http://schemas.microsoft.com/office/drawing/2014/main" id="{99575A7C-4FF6-FC42-ECA0-A41185AD998B}"/>
+                <a16:creationId xmlns:a16="http://schemas.microsoft.com/office/drawing/2014/main" id="{11916242-428B-5258-041D-20B2F8F78CEA}"/>
               </a:ext>
             </a:extLst>
           </p:cNvPr>
@@ -4826,108 +5055,7 @@
     </p:spTree>
     <p:extLst>
       <p:ext uri="{BB962C8B-B14F-4D97-AF65-F5344CB8AC3E}">
-        <p14:creationId xmlns:p14="http://schemas.microsoft.com/office/powerpoint/2010/main" val="193414397"/>
-      </p:ext>
-    </p:extLst>
-  </p:cSld>
-  <p:clrMapOvr>
-    <a:masterClrMapping/>
-  </p:clrMapOvr>
-</p:sld>
-</file>
-
-<file path=ppt/slides/slide4.xml><?xml version="1.0" encoding="utf-8"?>
-<p:sld xmlns:a="http://schemas.openxmlformats.org/drawingml/2006/main" xmlns:r="http://schemas.openxmlformats.org/officeDocument/2006/relationships" xmlns:p="http://schemas.openxmlformats.org/presentationml/2006/main">
-  <p:cSld>
-    <p:spTree>
-      <p:nvGrpSpPr>
-        <p:cNvPr id="1" name=""/>
-        <p:cNvGrpSpPr/>
-        <p:nvPr/>
-      </p:nvGrpSpPr>
-      <p:grpSpPr>
-        <a:xfrm>
-          <a:off x="0" y="0"/>
-          <a:ext cx="0" cy="0"/>
-          <a:chOff x="0" y="0"/>
-          <a:chExt cx="0" cy="0"/>
-        </a:xfrm>
-      </p:grpSpPr>
-      <p:sp>
-        <p:nvSpPr>
-          <p:cNvPr id="3" name="Content Placeholder 2">
-            <a:extLst>
-              <a:ext uri="{FF2B5EF4-FFF2-40B4-BE49-F238E27FC236}">
-                <a16:creationId xmlns:a16="http://schemas.microsoft.com/office/drawing/2014/main" id="{7F4AA440-67AA-2224-44DC-2F2CE98C8747}"/>
-              </a:ext>
-            </a:extLst>
-          </p:cNvPr>
-          <p:cNvSpPr>
-            <a:spLocks noGrp="1"/>
-          </p:cNvSpPr>
-          <p:nvPr>
-            <p:ph idx="1"/>
-          </p:nvPr>
-        </p:nvSpPr>
-        <p:spPr/>
-        <p:txBody>
-          <a:bodyPr>
-            <a:normAutofit fontScale="92500" lnSpcReduction="10000"/>
-          </a:bodyPr>
-          <a:lstStyle/>
-          <a:p>
-            <a:r>
-              <a:rPr lang="en-US" dirty="0"/>
-              <a:t>start with 5 randomly generated.</a:t>
-            </a:r>
-          </a:p>
-          <a:p>
-            <a:r>
-              <a:rPr lang="en-US" dirty="0"/>
-              <a:t>Each time one drops off food - record their genome.</a:t>
-            </a:r>
-          </a:p>
-          <a:p>
-            <a:r>
-              <a:rPr lang="en-US" dirty="0"/>
-              <a:t>At spawn time perform cross-over and mutation on those that have dropped off food</a:t>
-            </a:r>
-          </a:p>
-          <a:p>
-            <a:r>
-              <a:rPr lang="en-US" dirty="0"/>
-              <a:t> - design choices: selection from {since the last spawn, out of the last 5-10, out of all over lifetime, ranked by energy and lifetime}?</a:t>
-            </a:r>
-            <a:br>
-              <a:rPr lang="en-US" dirty="0"/>
-            </a:br>
-            <a:endParaRPr lang="en-US" dirty="0"/>
-          </a:p>
-          <a:p>
-            <a:r>
-              <a:rPr lang="en-US" dirty="0"/>
-              <a:t>If there hasn't been a spawn in a set time period, spawn a new agent anyway?</a:t>
-            </a:r>
-            <a:br>
-              <a:rPr lang="en-US" dirty="0"/>
-            </a:br>
-            <a:endParaRPr lang="en-US" dirty="0"/>
-          </a:p>
-          <a:p>
-            <a:r>
-              <a:rPr lang="en-US" dirty="0"/>
-              <a:t>If there is a colony collapse restart OR carry over best and restart?</a:t>
-            </a:r>
-          </a:p>
-          <a:p>
-            <a:endParaRPr lang="en-US" dirty="0"/>
-          </a:p>
-        </p:txBody>
-      </p:sp>
-    </p:spTree>
-    <p:extLst>
-      <p:ext uri="{BB962C8B-B14F-4D97-AF65-F5344CB8AC3E}">
-        <p14:creationId xmlns:p14="http://schemas.microsoft.com/office/powerpoint/2010/main" val="303062046"/>
+        <p14:creationId xmlns:p14="http://schemas.microsoft.com/office/powerpoint/2010/main" val="97978303"/>
       </p:ext>
     </p:extLst>
   </p:cSld>
@@ -4942,7 +5070,13 @@
   <p:cSld>
     <p:spTree>
       <p:nvGrpSpPr>
-        <p:cNvPr id="1" name=""/>
+        <p:cNvPr id="1" name="">
+          <a:extLst>
+            <a:ext uri="{FF2B5EF4-FFF2-40B4-BE49-F238E27FC236}">
+              <a16:creationId xmlns:a16="http://schemas.microsoft.com/office/drawing/2014/main" id="{FC82F201-FE17-914E-EB12-209122997C70}"/>
+            </a:ext>
+          </a:extLst>
+        </p:cNvPr>
         <p:cNvGrpSpPr/>
         <p:nvPr/>
       </p:nvGrpSpPr>
@@ -4956,146 +5090,79 @@
       </p:grpSpPr>
       <p:sp>
         <p:nvSpPr>
-          <p:cNvPr id="2" name="Title 1">
-            <a:extLst>
-              <a:ext uri="{FF2B5EF4-FFF2-40B4-BE49-F238E27FC236}">
-                <a16:creationId xmlns:a16="http://schemas.microsoft.com/office/drawing/2014/main" id="{3284076A-9AF3-F328-AABF-629D21CFBBA1}"/>
-              </a:ext>
-            </a:extLst>
-          </p:cNvPr>
-          <p:cNvSpPr>
-            <a:spLocks noGrp="1"/>
-          </p:cNvSpPr>
-          <p:nvPr>
-            <p:ph type="title"/>
+          <p:cNvPr id="3" name="Content Placeholder 2">
+            <a:extLst>
+              <a:ext uri="{FF2B5EF4-FFF2-40B4-BE49-F238E27FC236}">
+                <a16:creationId xmlns:a16="http://schemas.microsoft.com/office/drawing/2014/main" id="{A22CB97A-9BEA-3C36-A54A-D24E21C9A497}"/>
+              </a:ext>
+            </a:extLst>
+          </p:cNvPr>
+          <p:cNvSpPr>
+            <a:spLocks noGrp="1"/>
+          </p:cNvSpPr>
+          <p:nvPr>
+            <p:ph idx="1"/>
           </p:nvPr>
         </p:nvSpPr>
         <p:spPr/>
         <p:txBody>
-          <a:bodyPr/>
-          <a:lstStyle/>
-          <a:p>
-            <a:endParaRPr lang="en-US"/>
-          </a:p>
-        </p:txBody>
-      </p:sp>
-      <p:sp>
-        <p:nvSpPr>
-          <p:cNvPr id="3" name="Content Placeholder 2">
-            <a:extLst>
-              <a:ext uri="{FF2B5EF4-FFF2-40B4-BE49-F238E27FC236}">
-                <a16:creationId xmlns:a16="http://schemas.microsoft.com/office/drawing/2014/main" id="{2433117F-A338-9250-E55F-1465550D7882}"/>
-              </a:ext>
-            </a:extLst>
-          </p:cNvPr>
-          <p:cNvSpPr>
-            <a:spLocks noGrp="1"/>
-          </p:cNvSpPr>
-          <p:nvPr>
-            <p:ph idx="1"/>
-          </p:nvPr>
-        </p:nvSpPr>
-        <p:spPr/>
-        <p:txBody>
           <a:bodyPr>
-            <a:normAutofit fontScale="55000" lnSpcReduction="20000"/>
+            <a:normAutofit fontScale="92500" lnSpcReduction="10000"/>
           </a:bodyPr>
           <a:lstStyle/>
           <a:p>
             <a:r>
               <a:rPr lang="en-US" dirty="0"/>
-              <a:t>Life-Long System</a:t>
-            </a:r>
-          </a:p>
-          <a:p>
+              <a:t>start with 5 randomly generated.</a:t>
+            </a:r>
+          </a:p>
+          <a:p>
+            <a:r>
+              <a:rPr lang="en-US" dirty="0"/>
+              <a:t>Each time one drops off food - record their genome.</a:t>
+            </a:r>
+          </a:p>
+          <a:p>
+            <a:r>
+              <a:rPr lang="en-US" dirty="0"/>
+              <a:t>At spawn time perform cross-over and mutation on those that have dropped off food</a:t>
+            </a:r>
+          </a:p>
+          <a:p>
+            <a:r>
+              <a:rPr lang="en-US" dirty="0"/>
+              <a:t> - design choices: selection from {since the last spawn, out of the last 5-10, out of all over lifetime, ranked by energy and lifetime}?</a:t>
+            </a:r>
+            <a:br>
+              <a:rPr lang="en-US" dirty="0"/>
+            </a:br>
             <a:endParaRPr lang="en-US" dirty="0"/>
           </a:p>
           <a:p>
             <a:r>
               <a:rPr lang="en-US" dirty="0"/>
-              <a:t> Problem, most self-organizing happens at one layer. Need at least 2. Addressed with behavior tree and colony performance?</a:t>
-            </a:r>
-          </a:p>
-          <a:p>
-            <a:r>
+              <a:t>If there hasn't been a spawn in a set time period, spawn a new agent anyway?</a:t>
+            </a:r>
+            <a:br>
               <a:rPr lang="en-US" dirty="0"/>
-              <a:t>  i.e. individual learning and ?social learning?</a:t>
-            </a:r>
+            </a:br>
+            <a:endParaRPr lang="en-US" dirty="0"/>
           </a:p>
           <a:p>
             <a:r>
               <a:rPr lang="en-US" dirty="0"/>
-              <a:t> </a:t>
-            </a:r>
-          </a:p>
-          <a:p>
-            <a:r>
-              <a:rPr lang="en-US" dirty="0"/>
-              <a:t> Qualia World isn't quite working, but the colony is. So can connect something.</a:t>
-            </a:r>
-          </a:p>
-          <a:p>
-            <a:r>
-              <a:rPr lang="en-US" dirty="0"/>
-              <a:t>    Genetic Programming worked with </a:t>
-            </a:r>
-            <a:r>
-              <a:rPr lang="en-US" dirty="0" err="1"/>
-              <a:t>Robocode</a:t>
-            </a:r>
-            <a:r>
-              <a:rPr lang="en-US" dirty="0"/>
-              <a:t>. Problem Genetic algorithm approaches are population based, not necessarily based on continuous spawning. How to do this?</a:t>
-            </a:r>
-          </a:p>
-          <a:p>
-            <a:r>
-              <a:rPr lang="en-US" dirty="0"/>
-              <a:t>	Examples found seem to only use mutation.</a:t>
-            </a:r>
-          </a:p>
-          <a:p>
-            <a:r>
-              <a:rPr lang="en-US" dirty="0"/>
-              <a:t>	Fitness eval (length of life) will be very sparse when agents do well. This matches the target domain of ASCE-BITS because feedback from humans has been shown to be sparse in the HRA version.</a:t>
-            </a:r>
-          </a:p>
-          <a:p>
-            <a:r>
-              <a:rPr lang="en-US" dirty="0"/>
-              <a:t>	</a:t>
-            </a:r>
-          </a:p>
-          <a:p>
-            <a:r>
-              <a:rPr lang="en-US" dirty="0"/>
-              <a:t>	</a:t>
-            </a:r>
-          </a:p>
-          <a:p>
-            <a:r>
-              <a:rPr lang="en-US" dirty="0"/>
-              <a:t> GADO: Genetic...</a:t>
-            </a:r>
-          </a:p>
-          <a:p>
-            <a:r>
-              <a:rPr lang="en-US" dirty="0"/>
-              <a:t> Does the Field of Computational life?</a:t>
-            </a:r>
-          </a:p>
-          <a:p>
-            <a:r>
-              <a:rPr lang="en-US"/>
-              <a:t>https://pdxscholar.library.pdf.edu/cgi/viewcontent.cgi?article=1003&amp;context=compsci_fac</a:t>
-            </a:r>
+              <a:t>If there is a colony collapse restart OR carry over best and restart?</a:t>
+            </a:r>
+          </a:p>
+          <a:p>
+            <a:endParaRPr lang="en-US" dirty="0"/>
           </a:p>
         </p:txBody>
       </p:sp>
     </p:spTree>
     <p:extLst>
       <p:ext uri="{BB962C8B-B14F-4D97-AF65-F5344CB8AC3E}">
-        <p14:creationId xmlns:p14="http://schemas.microsoft.com/office/powerpoint/2010/main" val="590771946"/>
+        <p14:creationId xmlns:p14="http://schemas.microsoft.com/office/powerpoint/2010/main" val="2008437268"/>
       </p:ext>
     </p:extLst>
   </p:cSld>

--- a/images/VehicleFrames.pptx
+++ b/images/VehicleFrames.pptx
@@ -116,6 +116,59 @@
 </p:presentation>
 </file>
 
+<file path=ppt/changesInfos/changesInfo1.xml><?xml version="1.0" encoding="utf-8"?>
+<pc:chgInfo xmlns:a="http://schemas.openxmlformats.org/drawingml/2006/main" xmlns:r="http://schemas.openxmlformats.org/officeDocument/2006/relationships" xmlns:ac="http://schemas.microsoft.com/office/drawing/2013/main/command" xmlns:pc="http://schemas.microsoft.com/office/powerpoint/2013/main/command">
+  <pc:docChgLst>
+    <pc:chgData name="Bert Peterson" userId="e3ff0d18901dda59" providerId="LiveId" clId="{F91A6803-614A-4918-8B14-C253B44952A8}"/>
+    <pc:docChg chg="undo custSel modSld">
+      <pc:chgData name="Bert Peterson" userId="e3ff0d18901dda59" providerId="LiveId" clId="{F91A6803-614A-4918-8B14-C253B44952A8}" dt="2024-11-22T22:28:16.416" v="23" actId="688"/>
+      <pc:docMkLst>
+        <pc:docMk/>
+      </pc:docMkLst>
+      <pc:sldChg chg="modSp mod">
+        <pc:chgData name="Bert Peterson" userId="e3ff0d18901dda59" providerId="LiveId" clId="{F91A6803-614A-4918-8B14-C253B44952A8}" dt="2024-11-22T22:28:16.416" v="23" actId="688"/>
+        <pc:sldMkLst>
+          <pc:docMk/>
+          <pc:sldMk cId="3275420655" sldId="256"/>
+        </pc:sldMkLst>
+        <pc:spChg chg="mod">
+          <ac:chgData name="Bert Peterson" userId="e3ff0d18901dda59" providerId="LiveId" clId="{F91A6803-614A-4918-8B14-C253B44952A8}" dt="2024-11-22T22:28:16.046" v="21" actId="688"/>
+          <ac:spMkLst>
+            <pc:docMk/>
+            <pc:sldMk cId="3275420655" sldId="256"/>
+            <ac:spMk id="10" creationId="{71227C02-CD27-430A-A6A6-4C9D709C919E}"/>
+          </ac:spMkLst>
+        </pc:spChg>
+        <pc:spChg chg="mod">
+          <ac:chgData name="Bert Peterson" userId="e3ff0d18901dda59" providerId="LiveId" clId="{F91A6803-614A-4918-8B14-C253B44952A8}" dt="2024-11-22T22:28:15.855" v="20" actId="1076"/>
+          <ac:spMkLst>
+            <pc:docMk/>
+            <pc:sldMk cId="3275420655" sldId="256"/>
+            <ac:spMk id="11" creationId="{875F6CB6-BBBA-AD90-1958-D747C0249E44}"/>
+          </ac:spMkLst>
+        </pc:spChg>
+        <pc:spChg chg="mod">
+          <ac:chgData name="Bert Peterson" userId="e3ff0d18901dda59" providerId="LiveId" clId="{F91A6803-614A-4918-8B14-C253B44952A8}" dt="2024-11-22T22:28:15.312" v="17" actId="688"/>
+          <ac:spMkLst>
+            <pc:docMk/>
+            <pc:sldMk cId="3275420655" sldId="256"/>
+            <ac:spMk id="12" creationId="{FDA74976-959A-680E-F15D-4DFDF29ED130}"/>
+          </ac:spMkLst>
+        </pc:spChg>
+        <pc:grpChg chg="mod">
+          <ac:chgData name="Bert Peterson" userId="e3ff0d18901dda59" providerId="LiveId" clId="{F91A6803-614A-4918-8B14-C253B44952A8}" dt="2024-11-22T22:28:16.416" v="23" actId="688"/>
+          <ac:grpSpMkLst>
+            <pc:docMk/>
+            <pc:sldMk cId="3275420655" sldId="256"/>
+            <ac:grpSpMk id="19" creationId="{9A4E2830-C6F0-D5A9-98F2-FE0258AC09F2}"/>
+          </ac:grpSpMkLst>
+        </pc:grpChg>
+      </pc:sldChg>
+    </pc:docChg>
+  </pc:docChgLst>
+</pc:chgInfo>
+</file>
+
 <file path=ppt/slideLayouts/slideLayout1.xml><?xml version="1.0" encoding="utf-8"?>
 <p:sldLayout xmlns:a="http://schemas.openxmlformats.org/drawingml/2006/main" xmlns:r="http://schemas.openxmlformats.org/officeDocument/2006/relationships" xmlns:p="http://schemas.openxmlformats.org/presentationml/2006/main" type="title" preserve="1">
   <p:cSld name="Title Slide">
@@ -263,7 +316,7 @@
           <a:p>
             <a:fld id="{56E108D0-6AE7-49B2-AFDE-F7842EC0DADF}" type="datetimeFigureOut">
               <a:rPr lang="en-US" smtClean="0"/>
-              <a:t>2/28/2024</a:t>
+              <a:t>11/22/2024</a:t>
             </a:fld>
             <a:endParaRPr lang="en-US"/>
           </a:p>
@@ -461,7 +514,7 @@
           <a:p>
             <a:fld id="{56E108D0-6AE7-49B2-AFDE-F7842EC0DADF}" type="datetimeFigureOut">
               <a:rPr lang="en-US" smtClean="0"/>
-              <a:t>2/28/2024</a:t>
+              <a:t>11/22/2024</a:t>
             </a:fld>
             <a:endParaRPr lang="en-US"/>
           </a:p>
@@ -669,7 +722,7 @@
           <a:p>
             <a:fld id="{56E108D0-6AE7-49B2-AFDE-F7842EC0DADF}" type="datetimeFigureOut">
               <a:rPr lang="en-US" smtClean="0"/>
-              <a:t>2/28/2024</a:t>
+              <a:t>11/22/2024</a:t>
             </a:fld>
             <a:endParaRPr lang="en-US"/>
           </a:p>
@@ -867,7 +920,7 @@
           <a:p>
             <a:fld id="{56E108D0-6AE7-49B2-AFDE-F7842EC0DADF}" type="datetimeFigureOut">
               <a:rPr lang="en-US" smtClean="0"/>
-              <a:t>2/28/2024</a:t>
+              <a:t>11/22/2024</a:t>
             </a:fld>
             <a:endParaRPr lang="en-US"/>
           </a:p>
@@ -1142,7 +1195,7 @@
           <a:p>
             <a:fld id="{56E108D0-6AE7-49B2-AFDE-F7842EC0DADF}" type="datetimeFigureOut">
               <a:rPr lang="en-US" smtClean="0"/>
-              <a:t>2/28/2024</a:t>
+              <a:t>11/22/2024</a:t>
             </a:fld>
             <a:endParaRPr lang="en-US"/>
           </a:p>
@@ -1407,7 +1460,7 @@
           <a:p>
             <a:fld id="{56E108D0-6AE7-49B2-AFDE-F7842EC0DADF}" type="datetimeFigureOut">
               <a:rPr lang="en-US" smtClean="0"/>
-              <a:t>2/28/2024</a:t>
+              <a:t>11/22/2024</a:t>
             </a:fld>
             <a:endParaRPr lang="en-US"/>
           </a:p>
@@ -1819,7 +1872,7 @@
           <a:p>
             <a:fld id="{56E108D0-6AE7-49B2-AFDE-F7842EC0DADF}" type="datetimeFigureOut">
               <a:rPr lang="en-US" smtClean="0"/>
-              <a:t>2/28/2024</a:t>
+              <a:t>11/22/2024</a:t>
             </a:fld>
             <a:endParaRPr lang="en-US"/>
           </a:p>
@@ -1960,7 +2013,7 @@
           <a:p>
             <a:fld id="{56E108D0-6AE7-49B2-AFDE-F7842EC0DADF}" type="datetimeFigureOut">
               <a:rPr lang="en-US" smtClean="0"/>
-              <a:t>2/28/2024</a:t>
+              <a:t>11/22/2024</a:t>
             </a:fld>
             <a:endParaRPr lang="en-US"/>
           </a:p>
@@ -2073,7 +2126,7 @@
           <a:p>
             <a:fld id="{56E108D0-6AE7-49B2-AFDE-F7842EC0DADF}" type="datetimeFigureOut">
               <a:rPr lang="en-US" smtClean="0"/>
-              <a:t>2/28/2024</a:t>
+              <a:t>11/22/2024</a:t>
             </a:fld>
             <a:endParaRPr lang="en-US"/>
           </a:p>
@@ -2384,7 +2437,7 @@
           <a:p>
             <a:fld id="{56E108D0-6AE7-49B2-AFDE-F7842EC0DADF}" type="datetimeFigureOut">
               <a:rPr lang="en-US" smtClean="0"/>
-              <a:t>2/28/2024</a:t>
+              <a:t>11/22/2024</a:t>
             </a:fld>
             <a:endParaRPr lang="en-US"/>
           </a:p>
@@ -2672,7 +2725,7 @@
           <a:p>
             <a:fld id="{56E108D0-6AE7-49B2-AFDE-F7842EC0DADF}" type="datetimeFigureOut">
               <a:rPr lang="en-US" smtClean="0"/>
-              <a:t>2/28/2024</a:t>
+              <a:t>11/22/2024</a:t>
             </a:fld>
             <a:endParaRPr lang="en-US"/>
           </a:p>
@@ -2913,7 +2966,7 @@
           <a:p>
             <a:fld id="{56E108D0-6AE7-49B2-AFDE-F7842EC0DADF}" type="datetimeFigureOut">
               <a:rPr lang="en-US" smtClean="0"/>
-              <a:t>2/28/2024</a:t>
+              <a:t>11/22/2024</a:t>
             </a:fld>
             <a:endParaRPr lang="en-US"/>
           </a:p>
@@ -3374,9 +3427,9 @@
         <p:grpSpPr>
           <a:xfrm>
             <a:off x="1159139" y="3620819"/>
-            <a:ext cx="2668158" cy="2427762"/>
-            <a:chOff x="2764004" y="3100820"/>
-            <a:chExt cx="2668158" cy="2427762"/>
+            <a:ext cx="2668158" cy="2427765"/>
+            <a:chOff x="2764005" y="3100817"/>
+            <a:chExt cx="2668158" cy="2427765"/>
           </a:xfrm>
         </p:grpSpPr>
         <p:cxnSp>
@@ -3479,7 +3532,7 @@
           </p:nvSpPr>
           <p:spPr>
             <a:xfrm>
-              <a:off x="4878353" y="4184574"/>
+              <a:off x="4878354" y="4184575"/>
               <a:ext cx="553809" cy="369332"/>
             </a:xfrm>
             <a:prstGeom prst="rect">
@@ -3503,8 +3556,8 @@
             </a:p>
           </p:txBody>
         </p:sp>
-        <mc:AlternateContent xmlns:mc="http://schemas.openxmlformats.org/markup-compatibility/2006" xmlns:a14="http://schemas.microsoft.com/office/drawing/2010/main">
-          <mc:Choice Requires="a14">
+        <mc:AlternateContent xmlns:mc="http://schemas.openxmlformats.org/markup-compatibility/2006">
+          <mc:Choice xmlns:a14="http://schemas.microsoft.com/office/drawing/2010/main" Requires="a14">
             <p:sp>
               <p:nvSpPr>
                 <p:cNvPr id="11" name="TextBox 10">
@@ -3519,7 +3572,7 @@
               </p:nvSpPr>
               <p:spPr>
                 <a:xfrm>
-                  <a:off x="2895601" y="3100820"/>
+                  <a:off x="2895603" y="3100817"/>
                   <a:ext cx="553809" cy="562975"/>
                 </a:xfrm>
                 <a:prstGeom prst="rect">
@@ -3579,7 +3632,7 @@
               </p:txBody>
             </p:sp>
           </mc:Choice>
-          <mc:Fallback xmlns="">
+          <mc:Fallback>
             <p:sp>
               <p:nvSpPr>
                 <p:cNvPr id="11" name="TextBox 10">
@@ -3596,7 +3649,7 @@
               </p:nvSpPr>
               <p:spPr>
                 <a:xfrm>
-                  <a:off x="2895601" y="3100820"/>
+                  <a:off x="2895603" y="3100817"/>
                   <a:ext cx="553809" cy="562975"/>
                 </a:xfrm>
                 <a:prstGeom prst="rect">
@@ -3624,8 +3677,8 @@
             </p:sp>
           </mc:Fallback>
         </mc:AlternateContent>
-        <mc:AlternateContent xmlns:mc="http://schemas.openxmlformats.org/markup-compatibility/2006" xmlns:a14="http://schemas.microsoft.com/office/drawing/2010/main">
-          <mc:Choice Requires="a14">
+        <mc:AlternateContent xmlns:mc="http://schemas.openxmlformats.org/markup-compatibility/2006">
+          <mc:Choice xmlns:a14="http://schemas.microsoft.com/office/drawing/2010/main" Requires="a14">
             <p:sp>
               <p:nvSpPr>
                 <p:cNvPr id="12" name="TextBox 11">
@@ -3640,7 +3693,7 @@
               </p:nvSpPr>
               <p:spPr>
                 <a:xfrm>
-                  <a:off x="2764004" y="4965607"/>
+                  <a:off x="2764005" y="4965607"/>
                   <a:ext cx="553809" cy="562975"/>
                 </a:xfrm>
                 <a:prstGeom prst="rect">
@@ -3707,7 +3760,7 @@
               </p:txBody>
             </p:sp>
           </mc:Choice>
-          <mc:Fallback xmlns="">
+          <mc:Fallback>
             <p:sp>
               <p:nvSpPr>
                 <p:cNvPr id="12" name="TextBox 11">
@@ -3724,7 +3777,7 @@
               </p:nvSpPr>
               <p:spPr>
                 <a:xfrm>
-                  <a:off x="2764004" y="4965607"/>
+                  <a:off x="2764005" y="4965607"/>
                   <a:ext cx="553809" cy="562975"/>
                 </a:xfrm>
                 <a:prstGeom prst="rect">
